--- a/vuejs/Vue.pptx
+++ b/vuejs/Vue.pptx
@@ -20,6 +20,8 @@
     <p:sldId id="271" r:id="rId14"/>
     <p:sldId id="264" r:id="rId15"/>
     <p:sldId id="265" r:id="rId16"/>
+    <p:sldId id="273" r:id="rId17"/>
+    <p:sldId id="274" r:id="rId18"/>
   </p:sldIdLst>
   <p:sldSz cx="12192000" cy="6858000"/>
   <p:notesSz cx="6858000" cy="9144000"/>
@@ -257,7 +259,7 @@
           <a:p>
             <a:fld id="{A26EA331-CB4D-7147-BE11-0DC4A22709B9}" type="datetimeFigureOut">
               <a:rPr kumimoji="1" lang="zh-CN" altLang="en-US" smtClean="0"/>
-              <a:t>17/1/11</a:t>
+              <a:t>17/1/12</a:t>
             </a:fld>
             <a:endParaRPr kumimoji="1" lang="zh-CN" altLang="en-US"/>
           </a:p>
@@ -427,7 +429,7 @@
           <a:p>
             <a:fld id="{A26EA331-CB4D-7147-BE11-0DC4A22709B9}" type="datetimeFigureOut">
               <a:rPr kumimoji="1" lang="zh-CN" altLang="en-US" smtClean="0"/>
-              <a:t>17/1/11</a:t>
+              <a:t>17/1/12</a:t>
             </a:fld>
             <a:endParaRPr kumimoji="1" lang="zh-CN" altLang="en-US"/>
           </a:p>
@@ -607,7 +609,7 @@
           <a:p>
             <a:fld id="{A26EA331-CB4D-7147-BE11-0DC4A22709B9}" type="datetimeFigureOut">
               <a:rPr kumimoji="1" lang="zh-CN" altLang="en-US" smtClean="0"/>
-              <a:t>17/1/11</a:t>
+              <a:t>17/1/12</a:t>
             </a:fld>
             <a:endParaRPr kumimoji="1" lang="zh-CN" altLang="en-US"/>
           </a:p>
@@ -777,7 +779,7 @@
           <a:p>
             <a:fld id="{A26EA331-CB4D-7147-BE11-0DC4A22709B9}" type="datetimeFigureOut">
               <a:rPr kumimoji="1" lang="zh-CN" altLang="en-US" smtClean="0"/>
-              <a:t>17/1/11</a:t>
+              <a:t>17/1/12</a:t>
             </a:fld>
             <a:endParaRPr kumimoji="1" lang="zh-CN" altLang="en-US"/>
           </a:p>
@@ -1023,7 +1025,7 @@
           <a:p>
             <a:fld id="{A26EA331-CB4D-7147-BE11-0DC4A22709B9}" type="datetimeFigureOut">
               <a:rPr kumimoji="1" lang="zh-CN" altLang="en-US" smtClean="0"/>
-              <a:t>17/1/11</a:t>
+              <a:t>17/1/12</a:t>
             </a:fld>
             <a:endParaRPr kumimoji="1" lang="zh-CN" altLang="en-US"/>
           </a:p>
@@ -1255,7 +1257,7 @@
           <a:p>
             <a:fld id="{A26EA331-CB4D-7147-BE11-0DC4A22709B9}" type="datetimeFigureOut">
               <a:rPr kumimoji="1" lang="zh-CN" altLang="en-US" smtClean="0"/>
-              <a:t>17/1/11</a:t>
+              <a:t>17/1/12</a:t>
             </a:fld>
             <a:endParaRPr kumimoji="1" lang="zh-CN" altLang="en-US"/>
           </a:p>
@@ -1622,7 +1624,7 @@
           <a:p>
             <a:fld id="{A26EA331-CB4D-7147-BE11-0DC4A22709B9}" type="datetimeFigureOut">
               <a:rPr kumimoji="1" lang="zh-CN" altLang="en-US" smtClean="0"/>
-              <a:t>17/1/11</a:t>
+              <a:t>17/1/12</a:t>
             </a:fld>
             <a:endParaRPr kumimoji="1" lang="zh-CN" altLang="en-US"/>
           </a:p>
@@ -1740,7 +1742,7 @@
           <a:p>
             <a:fld id="{A26EA331-CB4D-7147-BE11-0DC4A22709B9}" type="datetimeFigureOut">
               <a:rPr kumimoji="1" lang="zh-CN" altLang="en-US" smtClean="0"/>
-              <a:t>17/1/11</a:t>
+              <a:t>17/1/12</a:t>
             </a:fld>
             <a:endParaRPr kumimoji="1" lang="zh-CN" altLang="en-US"/>
           </a:p>
@@ -1835,7 +1837,7 @@
           <a:p>
             <a:fld id="{A26EA331-CB4D-7147-BE11-0DC4A22709B9}" type="datetimeFigureOut">
               <a:rPr kumimoji="1" lang="zh-CN" altLang="en-US" smtClean="0"/>
-              <a:t>17/1/11</a:t>
+              <a:t>17/1/12</a:t>
             </a:fld>
             <a:endParaRPr kumimoji="1" lang="zh-CN" altLang="en-US"/>
           </a:p>
@@ -2112,7 +2114,7 @@
           <a:p>
             <a:fld id="{A26EA331-CB4D-7147-BE11-0DC4A22709B9}" type="datetimeFigureOut">
               <a:rPr kumimoji="1" lang="zh-CN" altLang="en-US" smtClean="0"/>
-              <a:t>17/1/11</a:t>
+              <a:t>17/1/12</a:t>
             </a:fld>
             <a:endParaRPr kumimoji="1" lang="zh-CN" altLang="en-US"/>
           </a:p>
@@ -2365,7 +2367,7 @@
           <a:p>
             <a:fld id="{A26EA331-CB4D-7147-BE11-0DC4A22709B9}" type="datetimeFigureOut">
               <a:rPr kumimoji="1" lang="zh-CN" altLang="en-US" smtClean="0"/>
-              <a:t>17/1/11</a:t>
+              <a:t>17/1/12</a:t>
             </a:fld>
             <a:endParaRPr kumimoji="1" lang="zh-CN" altLang="en-US"/>
           </a:p>
@@ -2578,7 +2580,7 @@
           <a:p>
             <a:fld id="{A26EA331-CB4D-7147-BE11-0DC4A22709B9}" type="datetimeFigureOut">
               <a:rPr kumimoji="1" lang="zh-CN" altLang="en-US" smtClean="0"/>
-              <a:t>17/1/11</a:t>
+              <a:t>17/1/12</a:t>
             </a:fld>
             <a:endParaRPr kumimoji="1" lang="zh-CN" altLang="en-US"/>
           </a:p>
@@ -6547,8 +6549,8 @@
         </p:nvSpPr>
         <p:spPr>
           <a:xfrm>
-            <a:off x="1043012" y="2056632"/>
-            <a:ext cx="10208260" cy="2287806"/>
+            <a:off x="1057300" y="2056632"/>
+            <a:ext cx="10208260" cy="2802819"/>
           </a:xfrm>
           <a:prstGeom prst="rect">
             <a:avLst/>
@@ -6676,44 +6678,83 @@
             </a:pPr>
             <a:r>
               <a:rPr lang="zh-CN" altLang="en-US" dirty="0" smtClean="0"/>
-              <a:t>注册组件</a:t>
+              <a:t>全局注册</a:t>
+            </a:r>
+            <a:r>
+              <a:rPr lang="en-US" altLang="zh-CN" dirty="0" smtClean="0"/>
+              <a:t>component</a:t>
+            </a:r>
+            <a:endParaRPr lang="zh-CN" altLang="en-US" dirty="0" smtClean="0"/>
+          </a:p>
+          <a:p>
+            <a:pPr marL="0" indent="0">
+              <a:buNone/>
+            </a:pPr>
+            <a:r>
+              <a:rPr lang="zh-CN" altLang="en-US" dirty="0" smtClean="0"/>
+              <a:t>	</a:t>
             </a:r>
             <a:r>
               <a:rPr lang="en-US" altLang="zh-CN" dirty="0" err="1" smtClean="0"/>
-              <a:t>vue.extend</a:t>
+              <a:t>Vue.component</a:t>
+            </a:r>
+            <a:r>
+              <a:rPr lang="en-US" altLang="zh-CN" dirty="0"/>
+              <a:t>('my-component', {</a:t>
+            </a:r>
+          </a:p>
+          <a:p>
+            <a:pPr marL="0" indent="0">
+              <a:buNone/>
+            </a:pPr>
+            <a:r>
+              <a:rPr lang="zh-CN" altLang="en-US" dirty="0" smtClean="0"/>
+              <a:t>		</a:t>
+            </a:r>
+            <a:r>
+              <a:rPr lang="en-US" altLang="zh-CN" dirty="0" smtClean="0"/>
+              <a:t>template</a:t>
+            </a:r>
+            <a:r>
+              <a:rPr lang="en-US" altLang="zh-CN" dirty="0"/>
+              <a:t>: '&lt;div&gt;A custom component!&lt;/div&gt;'</a:t>
+            </a:r>
+          </a:p>
+          <a:p>
+            <a:pPr marL="0" indent="0">
+              <a:buNone/>
+            </a:pPr>
+            <a:r>
+              <a:rPr lang="zh-CN" altLang="en-US" dirty="0" smtClean="0"/>
+              <a:t>	</a:t>
+            </a:r>
+            <a:r>
+              <a:rPr lang="en-US" altLang="zh-CN" dirty="0" smtClean="0"/>
+              <a:t>})</a:t>
             </a:r>
             <a:endParaRPr lang="zh-CN" altLang="en-US" dirty="0" smtClean="0"/>
           </a:p>
           <a:p>
-            <a:pPr>
-              <a:lnSpc>
-                <a:spcPct val="150000"/>
-              </a:lnSpc>
+            <a:pPr marL="0" indent="0">
+              <a:buNone/>
             </a:pPr>
             <a:r>
               <a:rPr lang="zh-CN" altLang="en-US" dirty="0" smtClean="0"/>
-              <a:t>局部注册</a:t>
-            </a:r>
-            <a:r>
-              <a:rPr lang="en-US" altLang="zh-CN"/>
-              <a:t>component</a:t>
+              <a:t>组件里面的</a:t>
+            </a:r>
+            <a:r>
+              <a:rPr lang="en-US" altLang="zh-CN" dirty="0" smtClean="0"/>
+              <a:t>data(</a:t>
+            </a:r>
+            <a:r>
+              <a:rPr lang="zh-CN" altLang="en-US" dirty="0" smtClean="0"/>
+              <a:t>必须为函数</a:t>
+            </a:r>
+            <a:r>
+              <a:rPr lang="en-US" altLang="zh-CN" dirty="0" smtClean="0"/>
+              <a:t>)</a:t>
             </a:r>
             <a:endParaRPr lang="zh-CN" altLang="en-US" dirty="0" smtClean="0"/>
-          </a:p>
-          <a:p>
-            <a:pPr>
-              <a:lnSpc>
-                <a:spcPct val="150000"/>
-              </a:lnSpc>
-            </a:pPr>
-            <a:r>
-              <a:rPr lang="en-US" altLang="zh-CN" dirty="0" smtClean="0"/>
-              <a:t>prop</a:t>
-            </a:r>
-            <a:r>
-              <a:rPr lang="zh-CN" altLang="en-US" dirty="0" smtClean="0"/>
-              <a:t>传递数据</a:t>
-            </a:r>
           </a:p>
         </p:txBody>
       </p:sp>
@@ -6746,6 +6787,1260 @@
     <p:extLst>
       <p:ext uri="{BB962C8B-B14F-4D97-AF65-F5344CB8AC3E}">
         <p14:creationId xmlns:p14="http://schemas.microsoft.com/office/powerpoint/2010/main" val="298501962"/>
+      </p:ext>
+    </p:extLst>
+  </p:cSld>
+  <p:clrMapOvr>
+    <a:masterClrMapping/>
+  </p:clrMapOvr>
+  <p:timing>
+    <p:tnLst>
+      <p:par>
+        <p:cTn id="1" dur="indefinite" restart="never" nodeType="tmRoot">
+          <p:childTnLst>
+            <p:seq concurrent="1" nextAc="seek">
+              <p:cTn id="2" dur="indefinite" nodeType="mainSeq">
+                <p:childTnLst>
+                  <p:par>
+                    <p:cTn id="3" fill="hold">
+                      <p:stCondLst>
+                        <p:cond delay="indefinite"/>
+                      </p:stCondLst>
+                      <p:childTnLst>
+                        <p:par>
+                          <p:cTn id="4" fill="hold">
+                            <p:stCondLst>
+                              <p:cond delay="0"/>
+                            </p:stCondLst>
+                            <p:childTnLst>
+                              <p:par>
+                                <p:cTn id="5" presetID="4" presetClass="entr" presetSubtype="16" fill="hold" grpId="0" nodeType="clickEffect">
+                                  <p:stCondLst>
+                                    <p:cond delay="0"/>
+                                  </p:stCondLst>
+                                  <p:childTnLst>
+                                    <p:set>
+                                      <p:cBhvr>
+                                        <p:cTn id="6" dur="1" fill="hold">
+                                          <p:stCondLst>
+                                            <p:cond delay="0"/>
+                                          </p:stCondLst>
+                                        </p:cTn>
+                                        <p:tgtEl>
+                                          <p:spTgt spid="10252"/>
+                                        </p:tgtEl>
+                                        <p:attrNameLst>
+                                          <p:attrName>style.visibility</p:attrName>
+                                        </p:attrNameLst>
+                                      </p:cBhvr>
+                                      <p:to>
+                                        <p:strVal val="visible"/>
+                                      </p:to>
+                                    </p:set>
+                                    <p:animEffect transition="in" filter="box(in)">
+                                      <p:cBhvr>
+                                        <p:cTn id="7" dur="2000"/>
+                                        <p:tgtEl>
+                                          <p:spTgt spid="10252"/>
+                                        </p:tgtEl>
+                                      </p:cBhvr>
+                                    </p:animEffect>
+                                  </p:childTnLst>
+                                </p:cTn>
+                              </p:par>
+                            </p:childTnLst>
+                          </p:cTn>
+                        </p:par>
+                      </p:childTnLst>
+                    </p:cTn>
+                  </p:par>
+                </p:childTnLst>
+              </p:cTn>
+              <p:prevCondLst>
+                <p:cond evt="onPrev" delay="0">
+                  <p:tgtEl>
+                    <p:sldTgt/>
+                  </p:tgtEl>
+                </p:cond>
+              </p:prevCondLst>
+              <p:nextCondLst>
+                <p:cond evt="onNext" delay="0">
+                  <p:tgtEl>
+                    <p:sldTgt/>
+                  </p:tgtEl>
+                </p:cond>
+              </p:nextCondLst>
+            </p:seq>
+          </p:childTnLst>
+        </p:cTn>
+      </p:par>
+    </p:tnLst>
+    <p:bldLst>
+      <p:bldP spid="10252" grpId="0"/>
+    </p:bldLst>
+  </p:timing>
+</p:sld>
+</file>
+
+<file path=ppt/slides/slide16.xml><?xml version="1.0" encoding="utf-8"?>
+<p:sld xmlns:a="http://schemas.openxmlformats.org/drawingml/2006/main" xmlns:r="http://schemas.openxmlformats.org/officeDocument/2006/relationships" xmlns:p="http://schemas.openxmlformats.org/presentationml/2006/main">
+  <p:cSld>
+    <p:spTree>
+      <p:nvGrpSpPr>
+        <p:cNvPr id="1" name=""/>
+        <p:cNvGrpSpPr/>
+        <p:nvPr/>
+      </p:nvGrpSpPr>
+      <p:grpSpPr>
+        <a:xfrm>
+          <a:off x="0" y="0"/>
+          <a:ext cx="0" cy="0"/>
+          <a:chOff x="0" y="0"/>
+          <a:chExt cx="0" cy="0"/>
+        </a:xfrm>
+      </p:grpSpPr>
+      <p:sp>
+        <p:nvSpPr>
+          <p:cNvPr id="10242" name="直角三角形 3"/>
+          <p:cNvSpPr/>
+          <p:nvPr/>
+        </p:nvSpPr>
+        <p:spPr>
+          <a:xfrm rot="5400000">
+            <a:off x="106363" y="120650"/>
+            <a:ext cx="274637" cy="273050"/>
+          </a:xfrm>
+          <a:prstGeom prst="rtTriangle">
+            <a:avLst/>
+          </a:prstGeom>
+          <a:solidFill>
+            <a:srgbClr val="0176AB"/>
+          </a:solidFill>
+          <a:ln w="9525">
+            <a:noFill/>
+          </a:ln>
+        </p:spPr>
+        <p:txBody>
+          <a:bodyPr anchor="ctr"/>
+          <a:lstStyle/>
+          <a:p>
+            <a:pPr lvl="0" algn="ctr" eaLnBrk="1" hangingPunct="1"/>
+            <a:endParaRPr lang="zh-CN" altLang="en-US" dirty="0">
+              <a:solidFill>
+                <a:srgbClr val="FFFFFF"/>
+              </a:solidFill>
+              <a:latin typeface="Calibri" pitchFamily="2" charset="0"/>
+              <a:ea typeface="宋体" charset="-122"/>
+            </a:endParaRPr>
+          </a:p>
+        </p:txBody>
+      </p:sp>
+      <p:sp>
+        <p:nvSpPr>
+          <p:cNvPr id="10243" name="直角三角形 4"/>
+          <p:cNvSpPr/>
+          <p:nvPr/>
+        </p:nvSpPr>
+        <p:spPr>
+          <a:xfrm rot="16200000">
+            <a:off x="11830050" y="6515100"/>
+            <a:ext cx="273050" cy="273050"/>
+          </a:xfrm>
+          <a:prstGeom prst="rtTriangle">
+            <a:avLst/>
+          </a:prstGeom>
+          <a:solidFill>
+            <a:srgbClr val="E5AA57"/>
+          </a:solidFill>
+          <a:ln w="9525">
+            <a:noFill/>
+          </a:ln>
+        </p:spPr>
+        <p:txBody>
+          <a:bodyPr anchor="ctr"/>
+          <a:lstStyle/>
+          <a:p>
+            <a:pPr lvl="0" algn="ctr" eaLnBrk="1" hangingPunct="1"/>
+            <a:endParaRPr lang="zh-CN" altLang="en-US" dirty="0">
+              <a:solidFill>
+                <a:srgbClr val="FFFFFF"/>
+              </a:solidFill>
+              <a:latin typeface="Calibri" pitchFamily="2" charset="0"/>
+              <a:ea typeface="宋体" charset="-122"/>
+            </a:endParaRPr>
+          </a:p>
+        </p:txBody>
+      </p:sp>
+      <p:sp>
+        <p:nvSpPr>
+          <p:cNvPr id="10244" name="文本框 69"/>
+          <p:cNvSpPr txBox="1"/>
+          <p:nvPr/>
+        </p:nvSpPr>
+        <p:spPr>
+          <a:xfrm>
+            <a:off x="2402005" y="1024327"/>
+            <a:ext cx="6660108" cy="701731"/>
+          </a:xfrm>
+          <a:prstGeom prst="rect">
+            <a:avLst/>
+          </a:prstGeom>
+          <a:noFill/>
+          <a:ln w="9525">
+            <a:noFill/>
+          </a:ln>
+        </p:spPr>
+        <p:txBody>
+          <a:bodyPr wrap="square">
+            <a:spAutoFit/>
+          </a:bodyPr>
+          <a:lstStyle>
+            <a:lvl1pPr marL="228600" lvl="0" indent="-228600" algn="l" defTabSz="914400" eaLnBrk="1" fontAlgn="base" latinLnBrk="0" hangingPunct="1">
+              <a:lnSpc>
+                <a:spcPct val="90000"/>
+              </a:lnSpc>
+              <a:spcBef>
+                <a:spcPts val="1000"/>
+              </a:spcBef>
+              <a:spcAft>
+                <a:spcPct val="0"/>
+              </a:spcAft>
+              <a:buFont typeface="Arial" charset="0"/>
+              <a:buChar char="•"/>
+              <a:defRPr sz="2800" b="0" i="0" u="none" kern="1200" baseline="0">
+                <a:solidFill>
+                  <a:schemeClr val="tx1"/>
+                </a:solidFill>
+                <a:latin typeface="Calibri" pitchFamily="2" charset="0"/>
+                <a:ea typeface="宋体" charset="-122"/>
+              </a:defRPr>
+            </a:lvl1pPr>
+            <a:lvl2pPr marL="685800" lvl="1" indent="-228600" algn="l" defTabSz="914400" eaLnBrk="1" fontAlgn="base" latinLnBrk="0" hangingPunct="1">
+              <a:lnSpc>
+                <a:spcPct val="90000"/>
+              </a:lnSpc>
+              <a:spcBef>
+                <a:spcPts val="500"/>
+              </a:spcBef>
+              <a:spcAft>
+                <a:spcPct val="0"/>
+              </a:spcAft>
+              <a:buFont typeface="Arial" charset="0"/>
+              <a:buChar char="•"/>
+              <a:defRPr sz="2400" b="0" i="0" u="none" kern="1200" baseline="0">
+                <a:solidFill>
+                  <a:schemeClr val="tx1"/>
+                </a:solidFill>
+                <a:latin typeface="+mn-lt"/>
+                <a:ea typeface="+mn-ea"/>
+                <a:cs typeface="+mn-cs"/>
+              </a:defRPr>
+            </a:lvl2pPr>
+            <a:lvl3pPr marL="1143000" lvl="2" indent="-228600" algn="l" defTabSz="914400" eaLnBrk="1" fontAlgn="base" latinLnBrk="0" hangingPunct="1">
+              <a:lnSpc>
+                <a:spcPct val="90000"/>
+              </a:lnSpc>
+              <a:spcBef>
+                <a:spcPts val="500"/>
+              </a:spcBef>
+              <a:spcAft>
+                <a:spcPct val="0"/>
+              </a:spcAft>
+              <a:buFont typeface="Arial" charset="0"/>
+              <a:buChar char="•"/>
+              <a:defRPr sz="2000" b="0" i="0" u="none" kern="1200" baseline="0">
+                <a:solidFill>
+                  <a:schemeClr val="tx1"/>
+                </a:solidFill>
+                <a:latin typeface="+mn-lt"/>
+                <a:ea typeface="+mn-ea"/>
+                <a:cs typeface="+mn-cs"/>
+              </a:defRPr>
+            </a:lvl3pPr>
+            <a:lvl4pPr marL="1600200" lvl="3" indent="-228600" algn="l" defTabSz="914400" eaLnBrk="1" fontAlgn="base" latinLnBrk="0" hangingPunct="1">
+              <a:lnSpc>
+                <a:spcPct val="90000"/>
+              </a:lnSpc>
+              <a:spcBef>
+                <a:spcPts val="500"/>
+              </a:spcBef>
+              <a:spcAft>
+                <a:spcPct val="0"/>
+              </a:spcAft>
+              <a:buFont typeface="Arial" charset="0"/>
+              <a:buChar char="•"/>
+              <a:defRPr sz="1800" b="0" i="0" u="none" kern="1200" baseline="0">
+                <a:solidFill>
+                  <a:schemeClr val="tx1"/>
+                </a:solidFill>
+                <a:latin typeface="+mn-lt"/>
+                <a:ea typeface="+mn-ea"/>
+                <a:cs typeface="+mn-cs"/>
+              </a:defRPr>
+            </a:lvl4pPr>
+            <a:lvl5pPr marL="2057400" lvl="4" indent="-228600" algn="l" defTabSz="914400" eaLnBrk="1" fontAlgn="base" latinLnBrk="0" hangingPunct="1">
+              <a:lnSpc>
+                <a:spcPct val="90000"/>
+              </a:lnSpc>
+              <a:spcBef>
+                <a:spcPts val="500"/>
+              </a:spcBef>
+              <a:spcAft>
+                <a:spcPct val="0"/>
+              </a:spcAft>
+              <a:buFont typeface="Arial" charset="0"/>
+              <a:buChar char="•"/>
+              <a:defRPr sz="1800" b="0" i="0" u="none" kern="1200" baseline="0">
+                <a:solidFill>
+                  <a:schemeClr val="tx1"/>
+                </a:solidFill>
+                <a:latin typeface="+mn-lt"/>
+                <a:ea typeface="+mn-ea"/>
+                <a:cs typeface="+mn-cs"/>
+              </a:defRPr>
+            </a:lvl5pPr>
+          </a:lstStyle>
+          <a:p>
+            <a:pPr marL="0" indent="0">
+              <a:buNone/>
+            </a:pPr>
+            <a:r>
+              <a:rPr lang="zh-CN" altLang="en-US" sz="4400" dirty="0" smtClean="0"/>
+              <a:t>组件</a:t>
+            </a:r>
+            <a:endParaRPr lang="zh-CN" altLang="en-US" sz="4400" dirty="0"/>
+          </a:p>
+        </p:txBody>
+      </p:sp>
+      <p:sp>
+        <p:nvSpPr>
+          <p:cNvPr id="10252" name="文本框 19"/>
+          <p:cNvSpPr txBox="1"/>
+          <p:nvPr/>
+        </p:nvSpPr>
+        <p:spPr>
+          <a:xfrm>
+            <a:off x="1057300" y="2056632"/>
+            <a:ext cx="10208260" cy="4093428"/>
+          </a:xfrm>
+          <a:prstGeom prst="rect">
+            <a:avLst/>
+          </a:prstGeom>
+          <a:noFill/>
+          <a:ln w="9525">
+            <a:noFill/>
+          </a:ln>
+        </p:spPr>
+        <p:txBody>
+          <a:bodyPr wrap="square">
+            <a:spAutoFit/>
+          </a:bodyPr>
+          <a:lstStyle>
+            <a:lvl1pPr marL="228600" lvl="0" indent="-228600" algn="l" defTabSz="914400" eaLnBrk="1" fontAlgn="base" latinLnBrk="0" hangingPunct="1">
+              <a:lnSpc>
+                <a:spcPct val="90000"/>
+              </a:lnSpc>
+              <a:spcBef>
+                <a:spcPts val="1000"/>
+              </a:spcBef>
+              <a:spcAft>
+                <a:spcPct val="0"/>
+              </a:spcAft>
+              <a:buFont typeface="Arial" charset="0"/>
+              <a:buChar char="•"/>
+              <a:defRPr sz="2800" b="0" i="0" u="none" kern="1200" baseline="0">
+                <a:solidFill>
+                  <a:schemeClr val="tx1"/>
+                </a:solidFill>
+                <a:latin typeface="Calibri" pitchFamily="2" charset="0"/>
+                <a:ea typeface="宋体" charset="-122"/>
+              </a:defRPr>
+            </a:lvl1pPr>
+            <a:lvl2pPr marL="685800" lvl="1" indent="-228600" algn="l" defTabSz="914400" eaLnBrk="1" fontAlgn="base" latinLnBrk="0" hangingPunct="1">
+              <a:lnSpc>
+                <a:spcPct val="90000"/>
+              </a:lnSpc>
+              <a:spcBef>
+                <a:spcPts val="500"/>
+              </a:spcBef>
+              <a:spcAft>
+                <a:spcPct val="0"/>
+              </a:spcAft>
+              <a:buFont typeface="Arial" charset="0"/>
+              <a:buChar char="•"/>
+              <a:defRPr sz="2400" b="0" i="0" u="none" kern="1200" baseline="0">
+                <a:solidFill>
+                  <a:schemeClr val="tx1"/>
+                </a:solidFill>
+                <a:latin typeface="+mn-lt"/>
+                <a:ea typeface="+mn-ea"/>
+                <a:cs typeface="+mn-cs"/>
+              </a:defRPr>
+            </a:lvl2pPr>
+            <a:lvl3pPr marL="1143000" lvl="2" indent="-228600" algn="l" defTabSz="914400" eaLnBrk="1" fontAlgn="base" latinLnBrk="0" hangingPunct="1">
+              <a:lnSpc>
+                <a:spcPct val="90000"/>
+              </a:lnSpc>
+              <a:spcBef>
+                <a:spcPts val="500"/>
+              </a:spcBef>
+              <a:spcAft>
+                <a:spcPct val="0"/>
+              </a:spcAft>
+              <a:buFont typeface="Arial" charset="0"/>
+              <a:buChar char="•"/>
+              <a:defRPr sz="2000" b="0" i="0" u="none" kern="1200" baseline="0">
+                <a:solidFill>
+                  <a:schemeClr val="tx1"/>
+                </a:solidFill>
+                <a:latin typeface="+mn-lt"/>
+                <a:ea typeface="+mn-ea"/>
+                <a:cs typeface="+mn-cs"/>
+              </a:defRPr>
+            </a:lvl3pPr>
+            <a:lvl4pPr marL="1600200" lvl="3" indent="-228600" algn="l" defTabSz="914400" eaLnBrk="1" fontAlgn="base" latinLnBrk="0" hangingPunct="1">
+              <a:lnSpc>
+                <a:spcPct val="90000"/>
+              </a:lnSpc>
+              <a:spcBef>
+                <a:spcPts val="500"/>
+              </a:spcBef>
+              <a:spcAft>
+                <a:spcPct val="0"/>
+              </a:spcAft>
+              <a:buFont typeface="Arial" charset="0"/>
+              <a:buChar char="•"/>
+              <a:defRPr sz="1800" b="0" i="0" u="none" kern="1200" baseline="0">
+                <a:solidFill>
+                  <a:schemeClr val="tx1"/>
+                </a:solidFill>
+                <a:latin typeface="+mn-lt"/>
+                <a:ea typeface="+mn-ea"/>
+                <a:cs typeface="+mn-cs"/>
+              </a:defRPr>
+            </a:lvl4pPr>
+            <a:lvl5pPr marL="2057400" lvl="4" indent="-228600" algn="l" defTabSz="914400" eaLnBrk="1" fontAlgn="base" latinLnBrk="0" hangingPunct="1">
+              <a:lnSpc>
+                <a:spcPct val="90000"/>
+              </a:lnSpc>
+              <a:spcBef>
+                <a:spcPts val="500"/>
+              </a:spcBef>
+              <a:spcAft>
+                <a:spcPct val="0"/>
+              </a:spcAft>
+              <a:buFont typeface="Arial" charset="0"/>
+              <a:buChar char="•"/>
+              <a:defRPr sz="1800" b="0" i="0" u="none" kern="1200" baseline="0">
+                <a:solidFill>
+                  <a:schemeClr val="tx1"/>
+                </a:solidFill>
+                <a:latin typeface="+mn-lt"/>
+                <a:ea typeface="+mn-ea"/>
+                <a:cs typeface="+mn-cs"/>
+              </a:defRPr>
+            </a:lvl5pPr>
+          </a:lstStyle>
+          <a:p>
+            <a:pPr>
+              <a:lnSpc>
+                <a:spcPct val="150000"/>
+              </a:lnSpc>
+            </a:pPr>
+            <a:r>
+              <a:rPr lang="zh-CN" altLang="en-US" dirty="0" smtClean="0"/>
+              <a:t>局部注册</a:t>
+            </a:r>
+            <a:r>
+              <a:rPr lang="en-US" altLang="zh-CN" dirty="0" smtClean="0"/>
+              <a:t>component</a:t>
+            </a:r>
+            <a:endParaRPr lang="zh-CN" altLang="en-US" dirty="0" smtClean="0"/>
+          </a:p>
+          <a:p>
+            <a:pPr marL="0" indent="0">
+              <a:buNone/>
+            </a:pPr>
+            <a:r>
+              <a:rPr lang="zh-CN" altLang="en-US" dirty="0" smtClean="0"/>
+              <a:t>	</a:t>
+            </a:r>
+            <a:r>
+              <a:rPr lang="en-US" altLang="zh-CN" dirty="0"/>
+              <a:t>new </a:t>
+            </a:r>
+            <a:r>
+              <a:rPr lang="en-US" altLang="zh-CN" dirty="0" err="1"/>
+              <a:t>Vue</a:t>
+            </a:r>
+            <a:r>
+              <a:rPr lang="en-US" altLang="zh-CN" dirty="0"/>
+              <a:t>({</a:t>
+            </a:r>
+          </a:p>
+          <a:p>
+            <a:pPr marL="0" indent="0">
+              <a:buNone/>
+            </a:pPr>
+            <a:r>
+              <a:rPr lang="zh-CN" altLang="en-US" dirty="0" smtClean="0"/>
+              <a:t>		</a:t>
+            </a:r>
+            <a:r>
+              <a:rPr lang="en-US" altLang="zh-CN" dirty="0" smtClean="0"/>
+              <a:t>components</a:t>
+            </a:r>
+            <a:r>
+              <a:rPr lang="en-US" altLang="zh-CN" dirty="0"/>
+              <a:t>: </a:t>
+            </a:r>
+            <a:r>
+              <a:rPr lang="en-US" altLang="zh-CN" dirty="0" smtClean="0"/>
+              <a:t>{</a:t>
+            </a:r>
+            <a:endParaRPr lang="zh-CN" altLang="en-US" dirty="0" smtClean="0"/>
+          </a:p>
+          <a:p>
+            <a:pPr marL="0" indent="0">
+              <a:buNone/>
+            </a:pPr>
+            <a:r>
+              <a:rPr lang="zh-CN" altLang="en-US" dirty="0"/>
+              <a:t>	</a:t>
+            </a:r>
+            <a:r>
+              <a:rPr lang="zh-CN" altLang="en-US" dirty="0" smtClean="0"/>
+              <a:t>		</a:t>
+            </a:r>
+            <a:r>
+              <a:rPr lang="en-US" altLang="zh-CN" dirty="0" smtClean="0"/>
+              <a:t>'my-component</a:t>
+            </a:r>
+            <a:r>
+              <a:rPr lang="en-US" altLang="zh-CN" dirty="0"/>
+              <a:t>': Child</a:t>
+            </a:r>
+          </a:p>
+          <a:p>
+            <a:pPr marL="0" indent="0">
+              <a:buNone/>
+            </a:pPr>
+            <a:r>
+              <a:rPr lang="zh-CN" altLang="en-US" dirty="0" smtClean="0"/>
+              <a:t>		</a:t>
+            </a:r>
+            <a:r>
+              <a:rPr lang="en-US" altLang="zh-CN" dirty="0" smtClean="0"/>
+              <a:t>}</a:t>
+            </a:r>
+            <a:endParaRPr lang="en-US" altLang="zh-CN" dirty="0"/>
+          </a:p>
+          <a:p>
+            <a:pPr marL="0" indent="0">
+              <a:buNone/>
+            </a:pPr>
+            <a:r>
+              <a:rPr lang="zh-CN" altLang="en-US" dirty="0" smtClean="0"/>
+              <a:t>	</a:t>
+            </a:r>
+            <a:r>
+              <a:rPr lang="en-US" altLang="zh-CN" dirty="0" smtClean="0"/>
+              <a:t>})</a:t>
+            </a:r>
+            <a:endParaRPr lang="en-US" altLang="zh-CN" dirty="0"/>
+          </a:p>
+          <a:p>
+            <a:pPr marL="0" indent="0">
+              <a:lnSpc>
+                <a:spcPct val="150000"/>
+              </a:lnSpc>
+              <a:buNone/>
+            </a:pPr>
+            <a:endParaRPr lang="zh-CN" altLang="en-US" dirty="0" smtClean="0"/>
+          </a:p>
+        </p:txBody>
+      </p:sp>
+      <p:pic>
+        <p:nvPicPr>
+          <p:cNvPr id="5" name="图片 4" descr="未标题-1"/>
+          <p:cNvPicPr>
+            <a:picLocks noChangeAspect="1"/>
+          </p:cNvPicPr>
+          <p:nvPr/>
+        </p:nvPicPr>
+        <p:blipFill>
+          <a:blip r:embed="rId2" cstate="print"/>
+          <a:srcRect l="33645"/>
+          <a:stretch>
+            <a:fillRect/>
+          </a:stretch>
+        </p:blipFill>
+        <p:spPr>
+          <a:xfrm>
+            <a:off x="545465" y="314960"/>
+            <a:ext cx="1862455" cy="552450"/>
+          </a:xfrm>
+          <a:prstGeom prst="rect">
+            <a:avLst/>
+          </a:prstGeom>
+        </p:spPr>
+      </p:pic>
+    </p:spTree>
+    <p:extLst>
+      <p:ext uri="{BB962C8B-B14F-4D97-AF65-F5344CB8AC3E}">
+        <p14:creationId xmlns:p14="http://schemas.microsoft.com/office/powerpoint/2010/main" val="1548233367"/>
+      </p:ext>
+    </p:extLst>
+  </p:cSld>
+  <p:clrMapOvr>
+    <a:masterClrMapping/>
+  </p:clrMapOvr>
+  <p:timing>
+    <p:tnLst>
+      <p:par>
+        <p:cTn id="1" dur="indefinite" restart="never" nodeType="tmRoot">
+          <p:childTnLst>
+            <p:seq concurrent="1" nextAc="seek">
+              <p:cTn id="2" dur="indefinite" nodeType="mainSeq">
+                <p:childTnLst>
+                  <p:par>
+                    <p:cTn id="3" fill="hold">
+                      <p:stCondLst>
+                        <p:cond delay="indefinite"/>
+                      </p:stCondLst>
+                      <p:childTnLst>
+                        <p:par>
+                          <p:cTn id="4" fill="hold">
+                            <p:stCondLst>
+                              <p:cond delay="0"/>
+                            </p:stCondLst>
+                            <p:childTnLst>
+                              <p:par>
+                                <p:cTn id="5" presetID="4" presetClass="entr" presetSubtype="16" fill="hold" grpId="0" nodeType="clickEffect">
+                                  <p:stCondLst>
+                                    <p:cond delay="0"/>
+                                  </p:stCondLst>
+                                  <p:childTnLst>
+                                    <p:set>
+                                      <p:cBhvr>
+                                        <p:cTn id="6" dur="1" fill="hold">
+                                          <p:stCondLst>
+                                            <p:cond delay="0"/>
+                                          </p:stCondLst>
+                                        </p:cTn>
+                                        <p:tgtEl>
+                                          <p:spTgt spid="10252"/>
+                                        </p:tgtEl>
+                                        <p:attrNameLst>
+                                          <p:attrName>style.visibility</p:attrName>
+                                        </p:attrNameLst>
+                                      </p:cBhvr>
+                                      <p:to>
+                                        <p:strVal val="visible"/>
+                                      </p:to>
+                                    </p:set>
+                                    <p:animEffect transition="in" filter="box(in)">
+                                      <p:cBhvr>
+                                        <p:cTn id="7" dur="2000"/>
+                                        <p:tgtEl>
+                                          <p:spTgt spid="10252"/>
+                                        </p:tgtEl>
+                                      </p:cBhvr>
+                                    </p:animEffect>
+                                  </p:childTnLst>
+                                </p:cTn>
+                              </p:par>
+                            </p:childTnLst>
+                          </p:cTn>
+                        </p:par>
+                      </p:childTnLst>
+                    </p:cTn>
+                  </p:par>
+                </p:childTnLst>
+              </p:cTn>
+              <p:prevCondLst>
+                <p:cond evt="onPrev" delay="0">
+                  <p:tgtEl>
+                    <p:sldTgt/>
+                  </p:tgtEl>
+                </p:cond>
+              </p:prevCondLst>
+              <p:nextCondLst>
+                <p:cond evt="onNext" delay="0">
+                  <p:tgtEl>
+                    <p:sldTgt/>
+                  </p:tgtEl>
+                </p:cond>
+              </p:nextCondLst>
+            </p:seq>
+          </p:childTnLst>
+        </p:cTn>
+      </p:par>
+    </p:tnLst>
+    <p:bldLst>
+      <p:bldP spid="10252" grpId="0"/>
+    </p:bldLst>
+  </p:timing>
+</p:sld>
+</file>
+
+<file path=ppt/slides/slide17.xml><?xml version="1.0" encoding="utf-8"?>
+<p:sld xmlns:a="http://schemas.openxmlformats.org/drawingml/2006/main" xmlns:r="http://schemas.openxmlformats.org/officeDocument/2006/relationships" xmlns:p="http://schemas.openxmlformats.org/presentationml/2006/main">
+  <p:cSld>
+    <p:spTree>
+      <p:nvGrpSpPr>
+        <p:cNvPr id="1" name=""/>
+        <p:cNvGrpSpPr/>
+        <p:nvPr/>
+      </p:nvGrpSpPr>
+      <p:grpSpPr>
+        <a:xfrm>
+          <a:off x="0" y="0"/>
+          <a:ext cx="0" cy="0"/>
+          <a:chOff x="0" y="0"/>
+          <a:chExt cx="0" cy="0"/>
+        </a:xfrm>
+      </p:grpSpPr>
+      <p:sp>
+        <p:nvSpPr>
+          <p:cNvPr id="10242" name="直角三角形 3"/>
+          <p:cNvSpPr/>
+          <p:nvPr/>
+        </p:nvSpPr>
+        <p:spPr>
+          <a:xfrm rot="5400000">
+            <a:off x="106363" y="120650"/>
+            <a:ext cx="274637" cy="273050"/>
+          </a:xfrm>
+          <a:prstGeom prst="rtTriangle">
+            <a:avLst/>
+          </a:prstGeom>
+          <a:solidFill>
+            <a:srgbClr val="0176AB"/>
+          </a:solidFill>
+          <a:ln w="9525">
+            <a:noFill/>
+          </a:ln>
+        </p:spPr>
+        <p:txBody>
+          <a:bodyPr anchor="ctr"/>
+          <a:lstStyle/>
+          <a:p>
+            <a:pPr lvl="0" algn="ctr" eaLnBrk="1" hangingPunct="1"/>
+            <a:endParaRPr lang="zh-CN" altLang="en-US" dirty="0">
+              <a:solidFill>
+                <a:srgbClr val="FFFFFF"/>
+              </a:solidFill>
+              <a:latin typeface="Calibri" pitchFamily="2" charset="0"/>
+              <a:ea typeface="宋体" charset="-122"/>
+            </a:endParaRPr>
+          </a:p>
+        </p:txBody>
+      </p:sp>
+      <p:sp>
+        <p:nvSpPr>
+          <p:cNvPr id="10243" name="直角三角形 4"/>
+          <p:cNvSpPr/>
+          <p:nvPr/>
+        </p:nvSpPr>
+        <p:spPr>
+          <a:xfrm rot="16200000">
+            <a:off x="11830050" y="6515100"/>
+            <a:ext cx="273050" cy="273050"/>
+          </a:xfrm>
+          <a:prstGeom prst="rtTriangle">
+            <a:avLst/>
+          </a:prstGeom>
+          <a:solidFill>
+            <a:srgbClr val="E5AA57"/>
+          </a:solidFill>
+          <a:ln w="9525">
+            <a:noFill/>
+          </a:ln>
+        </p:spPr>
+        <p:txBody>
+          <a:bodyPr anchor="ctr"/>
+          <a:lstStyle/>
+          <a:p>
+            <a:pPr lvl="0" algn="ctr" eaLnBrk="1" hangingPunct="1"/>
+            <a:endParaRPr lang="zh-CN" altLang="en-US" dirty="0">
+              <a:solidFill>
+                <a:srgbClr val="FFFFFF"/>
+              </a:solidFill>
+              <a:latin typeface="Calibri" pitchFamily="2" charset="0"/>
+              <a:ea typeface="宋体" charset="-122"/>
+            </a:endParaRPr>
+          </a:p>
+        </p:txBody>
+      </p:sp>
+      <p:sp>
+        <p:nvSpPr>
+          <p:cNvPr id="10244" name="文本框 69"/>
+          <p:cNvSpPr txBox="1"/>
+          <p:nvPr/>
+        </p:nvSpPr>
+        <p:spPr>
+          <a:xfrm>
+            <a:off x="2402005" y="1024327"/>
+            <a:ext cx="6660108" cy="701731"/>
+          </a:xfrm>
+          <a:prstGeom prst="rect">
+            <a:avLst/>
+          </a:prstGeom>
+          <a:noFill/>
+          <a:ln w="9525">
+            <a:noFill/>
+          </a:ln>
+        </p:spPr>
+        <p:txBody>
+          <a:bodyPr wrap="square">
+            <a:spAutoFit/>
+          </a:bodyPr>
+          <a:lstStyle>
+            <a:lvl1pPr marL="228600" lvl="0" indent="-228600" algn="l" defTabSz="914400" eaLnBrk="1" fontAlgn="base" latinLnBrk="0" hangingPunct="1">
+              <a:lnSpc>
+                <a:spcPct val="90000"/>
+              </a:lnSpc>
+              <a:spcBef>
+                <a:spcPts val="1000"/>
+              </a:spcBef>
+              <a:spcAft>
+                <a:spcPct val="0"/>
+              </a:spcAft>
+              <a:buFont typeface="Arial" charset="0"/>
+              <a:buChar char="•"/>
+              <a:defRPr sz="2800" b="0" i="0" u="none" kern="1200" baseline="0">
+                <a:solidFill>
+                  <a:schemeClr val="tx1"/>
+                </a:solidFill>
+                <a:latin typeface="Calibri" pitchFamily="2" charset="0"/>
+                <a:ea typeface="宋体" charset="-122"/>
+              </a:defRPr>
+            </a:lvl1pPr>
+            <a:lvl2pPr marL="685800" lvl="1" indent="-228600" algn="l" defTabSz="914400" eaLnBrk="1" fontAlgn="base" latinLnBrk="0" hangingPunct="1">
+              <a:lnSpc>
+                <a:spcPct val="90000"/>
+              </a:lnSpc>
+              <a:spcBef>
+                <a:spcPts val="500"/>
+              </a:spcBef>
+              <a:spcAft>
+                <a:spcPct val="0"/>
+              </a:spcAft>
+              <a:buFont typeface="Arial" charset="0"/>
+              <a:buChar char="•"/>
+              <a:defRPr sz="2400" b="0" i="0" u="none" kern="1200" baseline="0">
+                <a:solidFill>
+                  <a:schemeClr val="tx1"/>
+                </a:solidFill>
+                <a:latin typeface="+mn-lt"/>
+                <a:ea typeface="+mn-ea"/>
+                <a:cs typeface="+mn-cs"/>
+              </a:defRPr>
+            </a:lvl2pPr>
+            <a:lvl3pPr marL="1143000" lvl="2" indent="-228600" algn="l" defTabSz="914400" eaLnBrk="1" fontAlgn="base" latinLnBrk="0" hangingPunct="1">
+              <a:lnSpc>
+                <a:spcPct val="90000"/>
+              </a:lnSpc>
+              <a:spcBef>
+                <a:spcPts val="500"/>
+              </a:spcBef>
+              <a:spcAft>
+                <a:spcPct val="0"/>
+              </a:spcAft>
+              <a:buFont typeface="Arial" charset="0"/>
+              <a:buChar char="•"/>
+              <a:defRPr sz="2000" b="0" i="0" u="none" kern="1200" baseline="0">
+                <a:solidFill>
+                  <a:schemeClr val="tx1"/>
+                </a:solidFill>
+                <a:latin typeface="+mn-lt"/>
+                <a:ea typeface="+mn-ea"/>
+                <a:cs typeface="+mn-cs"/>
+              </a:defRPr>
+            </a:lvl3pPr>
+            <a:lvl4pPr marL="1600200" lvl="3" indent="-228600" algn="l" defTabSz="914400" eaLnBrk="1" fontAlgn="base" latinLnBrk="0" hangingPunct="1">
+              <a:lnSpc>
+                <a:spcPct val="90000"/>
+              </a:lnSpc>
+              <a:spcBef>
+                <a:spcPts val="500"/>
+              </a:spcBef>
+              <a:spcAft>
+                <a:spcPct val="0"/>
+              </a:spcAft>
+              <a:buFont typeface="Arial" charset="0"/>
+              <a:buChar char="•"/>
+              <a:defRPr sz="1800" b="0" i="0" u="none" kern="1200" baseline="0">
+                <a:solidFill>
+                  <a:schemeClr val="tx1"/>
+                </a:solidFill>
+                <a:latin typeface="+mn-lt"/>
+                <a:ea typeface="+mn-ea"/>
+                <a:cs typeface="+mn-cs"/>
+              </a:defRPr>
+            </a:lvl4pPr>
+            <a:lvl5pPr marL="2057400" lvl="4" indent="-228600" algn="l" defTabSz="914400" eaLnBrk="1" fontAlgn="base" latinLnBrk="0" hangingPunct="1">
+              <a:lnSpc>
+                <a:spcPct val="90000"/>
+              </a:lnSpc>
+              <a:spcBef>
+                <a:spcPts val="500"/>
+              </a:spcBef>
+              <a:spcAft>
+                <a:spcPct val="0"/>
+              </a:spcAft>
+              <a:buFont typeface="Arial" charset="0"/>
+              <a:buChar char="•"/>
+              <a:defRPr sz="1800" b="0" i="0" u="none" kern="1200" baseline="0">
+                <a:solidFill>
+                  <a:schemeClr val="tx1"/>
+                </a:solidFill>
+                <a:latin typeface="+mn-lt"/>
+                <a:ea typeface="+mn-ea"/>
+                <a:cs typeface="+mn-cs"/>
+              </a:defRPr>
+            </a:lvl5pPr>
+          </a:lstStyle>
+          <a:p>
+            <a:pPr marL="0" indent="0">
+              <a:buNone/>
+            </a:pPr>
+            <a:r>
+              <a:rPr lang="zh-CN" altLang="en-US" sz="4400" dirty="0" smtClean="0"/>
+              <a:t>组件</a:t>
+            </a:r>
+            <a:endParaRPr lang="zh-CN" altLang="en-US" sz="4400" dirty="0"/>
+          </a:p>
+        </p:txBody>
+      </p:sp>
+      <p:sp>
+        <p:nvSpPr>
+          <p:cNvPr id="10252" name="文本框 19"/>
+          <p:cNvSpPr txBox="1"/>
+          <p:nvPr/>
+        </p:nvSpPr>
+        <p:spPr>
+          <a:xfrm>
+            <a:off x="1057300" y="2056632"/>
+            <a:ext cx="10208260" cy="5384038"/>
+          </a:xfrm>
+          <a:prstGeom prst="rect">
+            <a:avLst/>
+          </a:prstGeom>
+          <a:noFill/>
+          <a:ln w="9525">
+            <a:noFill/>
+          </a:ln>
+        </p:spPr>
+        <p:txBody>
+          <a:bodyPr wrap="square">
+            <a:spAutoFit/>
+          </a:bodyPr>
+          <a:lstStyle>
+            <a:lvl1pPr marL="228600" lvl="0" indent="-228600" algn="l" defTabSz="914400" eaLnBrk="1" fontAlgn="base" latinLnBrk="0" hangingPunct="1">
+              <a:lnSpc>
+                <a:spcPct val="90000"/>
+              </a:lnSpc>
+              <a:spcBef>
+                <a:spcPts val="1000"/>
+              </a:spcBef>
+              <a:spcAft>
+                <a:spcPct val="0"/>
+              </a:spcAft>
+              <a:buFont typeface="Arial" charset="0"/>
+              <a:buChar char="•"/>
+              <a:defRPr sz="2800" b="0" i="0" u="none" kern="1200" baseline="0">
+                <a:solidFill>
+                  <a:schemeClr val="tx1"/>
+                </a:solidFill>
+                <a:latin typeface="Calibri" pitchFamily="2" charset="0"/>
+                <a:ea typeface="宋体" charset="-122"/>
+              </a:defRPr>
+            </a:lvl1pPr>
+            <a:lvl2pPr marL="685800" lvl="1" indent="-228600" algn="l" defTabSz="914400" eaLnBrk="1" fontAlgn="base" latinLnBrk="0" hangingPunct="1">
+              <a:lnSpc>
+                <a:spcPct val="90000"/>
+              </a:lnSpc>
+              <a:spcBef>
+                <a:spcPts val="500"/>
+              </a:spcBef>
+              <a:spcAft>
+                <a:spcPct val="0"/>
+              </a:spcAft>
+              <a:buFont typeface="Arial" charset="0"/>
+              <a:buChar char="•"/>
+              <a:defRPr sz="2400" b="0" i="0" u="none" kern="1200" baseline="0">
+                <a:solidFill>
+                  <a:schemeClr val="tx1"/>
+                </a:solidFill>
+                <a:latin typeface="+mn-lt"/>
+                <a:ea typeface="+mn-ea"/>
+                <a:cs typeface="+mn-cs"/>
+              </a:defRPr>
+            </a:lvl2pPr>
+            <a:lvl3pPr marL="1143000" lvl="2" indent="-228600" algn="l" defTabSz="914400" eaLnBrk="1" fontAlgn="base" latinLnBrk="0" hangingPunct="1">
+              <a:lnSpc>
+                <a:spcPct val="90000"/>
+              </a:lnSpc>
+              <a:spcBef>
+                <a:spcPts val="500"/>
+              </a:spcBef>
+              <a:spcAft>
+                <a:spcPct val="0"/>
+              </a:spcAft>
+              <a:buFont typeface="Arial" charset="0"/>
+              <a:buChar char="•"/>
+              <a:defRPr sz="2000" b="0" i="0" u="none" kern="1200" baseline="0">
+                <a:solidFill>
+                  <a:schemeClr val="tx1"/>
+                </a:solidFill>
+                <a:latin typeface="+mn-lt"/>
+                <a:ea typeface="+mn-ea"/>
+                <a:cs typeface="+mn-cs"/>
+              </a:defRPr>
+            </a:lvl3pPr>
+            <a:lvl4pPr marL="1600200" lvl="3" indent="-228600" algn="l" defTabSz="914400" eaLnBrk="1" fontAlgn="base" latinLnBrk="0" hangingPunct="1">
+              <a:lnSpc>
+                <a:spcPct val="90000"/>
+              </a:lnSpc>
+              <a:spcBef>
+                <a:spcPts val="500"/>
+              </a:spcBef>
+              <a:spcAft>
+                <a:spcPct val="0"/>
+              </a:spcAft>
+              <a:buFont typeface="Arial" charset="0"/>
+              <a:buChar char="•"/>
+              <a:defRPr sz="1800" b="0" i="0" u="none" kern="1200" baseline="0">
+                <a:solidFill>
+                  <a:schemeClr val="tx1"/>
+                </a:solidFill>
+                <a:latin typeface="+mn-lt"/>
+                <a:ea typeface="+mn-ea"/>
+                <a:cs typeface="+mn-cs"/>
+              </a:defRPr>
+            </a:lvl4pPr>
+            <a:lvl5pPr marL="2057400" lvl="4" indent="-228600" algn="l" defTabSz="914400" eaLnBrk="1" fontAlgn="base" latinLnBrk="0" hangingPunct="1">
+              <a:lnSpc>
+                <a:spcPct val="90000"/>
+              </a:lnSpc>
+              <a:spcBef>
+                <a:spcPts val="500"/>
+              </a:spcBef>
+              <a:spcAft>
+                <a:spcPct val="0"/>
+              </a:spcAft>
+              <a:buFont typeface="Arial" charset="0"/>
+              <a:buChar char="•"/>
+              <a:defRPr sz="1800" b="0" i="0" u="none" kern="1200" baseline="0">
+                <a:solidFill>
+                  <a:schemeClr val="tx1"/>
+                </a:solidFill>
+                <a:latin typeface="+mn-lt"/>
+                <a:ea typeface="+mn-ea"/>
+                <a:cs typeface="+mn-cs"/>
+              </a:defRPr>
+            </a:lvl5pPr>
+          </a:lstStyle>
+          <a:p>
+            <a:pPr>
+              <a:lnSpc>
+                <a:spcPct val="150000"/>
+              </a:lnSpc>
+            </a:pPr>
+            <a:r>
+              <a:rPr lang="zh-CN" altLang="en-US" dirty="0" smtClean="0"/>
+              <a:t>数据传递</a:t>
+            </a:r>
+            <a:r>
+              <a:rPr lang="en-US" altLang="zh-CN" dirty="0" smtClean="0"/>
+              <a:t>Props</a:t>
+            </a:r>
+            <a:endParaRPr lang="zh-CN" altLang="en-US" dirty="0" smtClean="0"/>
+          </a:p>
+          <a:p>
+            <a:pPr marL="0" indent="0">
+              <a:lnSpc>
+                <a:spcPct val="150000"/>
+              </a:lnSpc>
+              <a:buNone/>
+            </a:pPr>
+            <a:r>
+              <a:rPr lang="zh-CN" altLang="en-US" dirty="0" smtClean="0"/>
+              <a:t>	</a:t>
+            </a:r>
+            <a:r>
+              <a:rPr lang="en-US" altLang="zh-CN" dirty="0" err="1" smtClean="0"/>
+              <a:t>Vue.component</a:t>
+            </a:r>
+            <a:r>
+              <a:rPr lang="en-US" altLang="zh-CN" dirty="0"/>
+              <a:t>('child', {</a:t>
+            </a:r>
+          </a:p>
+          <a:p>
+            <a:pPr marL="0" indent="0">
+              <a:buNone/>
+            </a:pPr>
+            <a:r>
+              <a:rPr lang="zh-CN" altLang="en-US" dirty="0" smtClean="0"/>
+              <a:t>		</a:t>
+            </a:r>
+            <a:r>
+              <a:rPr lang="en-US" altLang="zh-CN" dirty="0" smtClean="0"/>
+              <a:t>props</a:t>
+            </a:r>
+            <a:r>
+              <a:rPr lang="en-US" altLang="zh-CN" dirty="0"/>
+              <a:t>: ['message'],</a:t>
+            </a:r>
+          </a:p>
+          <a:p>
+            <a:pPr marL="0" indent="0">
+              <a:buNone/>
+            </a:pPr>
+            <a:r>
+              <a:rPr lang="zh-CN" altLang="en-US" dirty="0" smtClean="0"/>
+              <a:t>		</a:t>
+            </a:r>
+            <a:r>
+              <a:rPr lang="en-US" altLang="zh-CN" dirty="0" smtClean="0"/>
+              <a:t>template</a:t>
+            </a:r>
+            <a:r>
+              <a:rPr lang="en-US" altLang="zh-CN" dirty="0"/>
+              <a:t>: '&lt;span&gt;{{ message }}&lt;/span&gt;'</a:t>
+            </a:r>
+          </a:p>
+          <a:p>
+            <a:pPr marL="0" indent="0">
+              <a:buNone/>
+            </a:pPr>
+            <a:r>
+              <a:rPr lang="zh-CN" altLang="en-US" dirty="0" smtClean="0"/>
+              <a:t>	</a:t>
+            </a:r>
+            <a:r>
+              <a:rPr lang="en-US" altLang="zh-CN" dirty="0" smtClean="0"/>
+              <a:t>})</a:t>
+            </a:r>
+            <a:endParaRPr lang="zh-CN" altLang="en-US" dirty="0" smtClean="0"/>
+          </a:p>
+          <a:p>
+            <a:pPr marL="0" indent="0">
+              <a:buNone/>
+            </a:pPr>
+            <a:r>
+              <a:rPr lang="zh-CN" altLang="en-US" dirty="0" smtClean="0"/>
+              <a:t>引用：</a:t>
+            </a:r>
+            <a:r>
+              <a:rPr lang="en-US" altLang="zh-CN" dirty="0" smtClean="0"/>
+              <a:t>&lt;</a:t>
+            </a:r>
+            <a:r>
+              <a:rPr lang="en-US" altLang="zh-CN" dirty="0"/>
+              <a:t>child message</a:t>
+            </a:r>
+            <a:r>
+              <a:rPr lang="en-US" altLang="zh-CN" dirty="0" smtClean="0"/>
+              <a:t>=“hello!”&gt;&lt;/</a:t>
+            </a:r>
+            <a:r>
+              <a:rPr lang="en-US" altLang="zh-CN" dirty="0"/>
+              <a:t>child</a:t>
+            </a:r>
+            <a:r>
+              <a:rPr lang="en-US" altLang="zh-CN" dirty="0" smtClean="0"/>
+              <a:t>&gt;</a:t>
+            </a:r>
+            <a:endParaRPr lang="zh-CN" altLang="en-US" dirty="0" smtClean="0"/>
+          </a:p>
+          <a:p>
+            <a:pPr marL="0" indent="0">
+              <a:buNone/>
+            </a:pPr>
+            <a:endParaRPr lang="zh-CN" altLang="en-US" dirty="0"/>
+          </a:p>
+          <a:p>
+            <a:pPr marL="0" indent="0">
+              <a:buNone/>
+            </a:pPr>
+            <a:r>
+              <a:rPr lang="zh-CN" altLang="en-US" dirty="0" smtClean="0"/>
+              <a:t>注意：</a:t>
+            </a:r>
+            <a:r>
+              <a:rPr lang="en-US" altLang="zh-CN" dirty="0" smtClean="0"/>
+              <a:t>message</a:t>
+            </a:r>
+            <a:r>
+              <a:rPr lang="zh-CN" altLang="en-US" dirty="0" smtClean="0"/>
+              <a:t>的格式（</a:t>
+            </a:r>
+            <a:r>
+              <a:rPr lang="en-US" altLang="zh-CN" dirty="0" err="1" smtClean="0"/>
+              <a:t>myMessage</a:t>
+            </a:r>
+            <a:r>
+              <a:rPr lang="zh-CN" altLang="en-US" dirty="0" smtClean="0"/>
+              <a:t> ）</a:t>
+            </a:r>
+            <a:r>
+              <a:rPr lang="en-US" altLang="zh-CN" dirty="0" smtClean="0"/>
+              <a:t>,</a:t>
+            </a:r>
+            <a:r>
+              <a:rPr lang="zh-CN" altLang="en-US" dirty="0" smtClean="0"/>
+              <a:t>动态</a:t>
+            </a:r>
+            <a:r>
+              <a:rPr lang="en-US" altLang="zh-CN" dirty="0" smtClean="0"/>
+              <a:t>props</a:t>
+            </a:r>
+            <a:endParaRPr lang="en-US" altLang="zh-CN" dirty="0"/>
+          </a:p>
+          <a:p>
+            <a:pPr marL="0" indent="0">
+              <a:lnSpc>
+                <a:spcPct val="150000"/>
+              </a:lnSpc>
+              <a:buNone/>
+            </a:pPr>
+            <a:endParaRPr lang="zh-CN" altLang="en-US" dirty="0" smtClean="0"/>
+          </a:p>
+        </p:txBody>
+      </p:sp>
+      <p:pic>
+        <p:nvPicPr>
+          <p:cNvPr id="5" name="图片 4" descr="未标题-1"/>
+          <p:cNvPicPr>
+            <a:picLocks noChangeAspect="1"/>
+          </p:cNvPicPr>
+          <p:nvPr/>
+        </p:nvPicPr>
+        <p:blipFill>
+          <a:blip r:embed="rId2" cstate="print"/>
+          <a:srcRect l="33645"/>
+          <a:stretch>
+            <a:fillRect/>
+          </a:stretch>
+        </p:blipFill>
+        <p:spPr>
+          <a:xfrm>
+            <a:off x="545465" y="314960"/>
+            <a:ext cx="1862455" cy="552450"/>
+          </a:xfrm>
+          <a:prstGeom prst="rect">
+            <a:avLst/>
+          </a:prstGeom>
+        </p:spPr>
+      </p:pic>
+    </p:spTree>
+    <p:extLst>
+      <p:ext uri="{BB962C8B-B14F-4D97-AF65-F5344CB8AC3E}">
+        <p14:creationId xmlns:p14="http://schemas.microsoft.com/office/powerpoint/2010/main" val="532670688"/>
       </p:ext>
     </p:extLst>
   </p:cSld>
@@ -10803,9 +12098,10 @@
           </a:p>
           <a:p>
             <a:r>
-              <a:rPr lang="en-US" altLang="zh-CN" dirty="0"/>
+              <a:rPr lang="en-US" altLang="zh-CN" dirty="0" smtClean="0"/>
               <a:t>.up</a:t>
             </a:r>
+            <a:endParaRPr lang="en-US" altLang="zh-CN" dirty="0"/>
           </a:p>
           <a:p>
             <a:r>
